--- a/Porównanie rozwiązania synchronicznego i asynchronicznego.pptx
+++ b/Porównanie rozwiązania synchronicznego i asynchronicznego.pptx
@@ -113,6 +113,11 @@
       </a:defRPr>
     </a:lvl9pPr>
   </p:defaultTextStyle>
+  <p:extLst>
+    <p:ext uri="{EFAFB233-063F-42B5-8137-9DF3F51BA10A}">
+      <p15:sldGuideLst xmlns:p15="http://schemas.microsoft.com/office/powerpoint/2012/main"/>
+    </p:ext>
+  </p:extLst>
 </p:presentation>
 </file>
 
@@ -161,23 +166,6 @@
         </a:ln>
         <a:effectLst/>
       </c:spPr>
-      <c:txPr>
-        <a:bodyPr rot="0" spcFirstLastPara="1" vertOverflow="ellipsis" vert="horz" wrap="square" anchor="ctr" anchorCtr="1"/>
-        <a:lstStyle/>
-        <a:p>
-          <a:pPr>
-            <a:defRPr sz="2128" b="1" i="0" u="none" strike="noStrike" kern="1200" baseline="0">
-              <a:solidFill>
-                <a:schemeClr val="tx2"/>
-              </a:solidFill>
-              <a:latin typeface="+mn-lt"/>
-              <a:ea typeface="+mn-ea"/>
-              <a:cs typeface="+mn-cs"/>
-            </a:defRPr>
-          </a:pPr>
-          <a:endParaRPr lang="pl-PL"/>
-        </a:p>
-      </c:txPr>
     </c:title>
     <c:autoTitleDeleted val="0"/>
     <c:view3D>
@@ -200,7 +188,7 @@
       <c:thickness val="0"/>
       <c:spPr>
         <a:noFill/>
-        <a:ln>
+        <a:ln w="25400">
           <a:noFill/>
         </a:ln>
         <a:effectLst/>
@@ -211,7 +199,7 @@
       <c:thickness val="0"/>
       <c:spPr>
         <a:noFill/>
-        <a:ln>
+        <a:ln w="25400">
           <a:noFill/>
         </a:ln>
         <a:effectLst/>
@@ -2041,23 +2029,6 @@
             </a:ln>
             <a:effectLst/>
           </c:spPr>
-          <c:txPr>
-            <a:bodyPr rot="0" spcFirstLastPara="1" vertOverflow="ellipsis" vert="horz" wrap="square" anchor="ctr" anchorCtr="1"/>
-            <a:lstStyle/>
-            <a:p>
-              <a:pPr>
-                <a:defRPr sz="1197" b="1" i="0" u="none" strike="noStrike" kern="1200" baseline="0">
-                  <a:solidFill>
-                    <a:schemeClr val="tx2"/>
-                  </a:solidFill>
-                  <a:latin typeface="+mn-lt"/>
-                  <a:ea typeface="+mn-ea"/>
-                  <a:cs typeface="+mn-cs"/>
-                </a:defRPr>
-              </a:pPr>
-              <a:endParaRPr lang="pl-PL"/>
-            </a:p>
-          </c:txPr>
         </c:title>
         <c:numFmt formatCode="General" sourceLinked="1"/>
         <c:majorTickMark val="out"/>
@@ -2160,23 +2131,6 @@
             </a:ln>
             <a:effectLst/>
           </c:spPr>
-          <c:txPr>
-            <a:bodyPr rot="-5400000" spcFirstLastPara="1" vertOverflow="ellipsis" vert="horz" wrap="square" anchor="ctr" anchorCtr="1"/>
-            <a:lstStyle/>
-            <a:p>
-              <a:pPr>
-                <a:defRPr sz="1197" b="1" i="0" u="none" strike="noStrike" kern="1200" baseline="0">
-                  <a:solidFill>
-                    <a:schemeClr val="tx2"/>
-                  </a:solidFill>
-                  <a:latin typeface="+mn-lt"/>
-                  <a:ea typeface="+mn-ea"/>
-                  <a:cs typeface="+mn-cs"/>
-                </a:defRPr>
-              </a:pPr>
-              <a:endParaRPr lang="pl-PL"/>
-            </a:p>
-          </c:txPr>
         </c:title>
         <c:numFmt formatCode="General" sourceLinked="1"/>
         <c:majorTickMark val="none"/>
@@ -2256,23 +2210,6 @@
             </a:ln>
             <a:effectLst/>
           </c:spPr>
-          <c:txPr>
-            <a:bodyPr rot="0" spcFirstLastPara="1" vertOverflow="ellipsis" vert="horz" wrap="square" anchor="ctr" anchorCtr="1"/>
-            <a:lstStyle/>
-            <a:p>
-              <a:pPr>
-                <a:defRPr sz="1197" b="1" i="0" u="none" strike="noStrike" kern="1200" baseline="0">
-                  <a:solidFill>
-                    <a:schemeClr val="tx2"/>
-                  </a:solidFill>
-                  <a:latin typeface="+mn-lt"/>
-                  <a:ea typeface="+mn-ea"/>
-                  <a:cs typeface="+mn-cs"/>
-                </a:defRPr>
-              </a:pPr>
-              <a:endParaRPr lang="pl-PL"/>
-            </a:p>
-          </c:txPr>
         </c:title>
         <c:majorTickMark val="out"/>
         <c:minorTickMark val="none"/>
@@ -2369,7 +2306,7 @@
     <c:title>
       <c:tx>
         <c:rich>
-          <a:bodyPr rot="0" spcFirstLastPara="1" vertOverflow="ellipsis" vert="horz" wrap="square" anchor="t" anchorCtr="0"/>
+          <a:bodyPr rot="0" spcFirstLastPara="1" vertOverflow="ellipsis" vert="horz" wrap="square" anchor="ctr" anchorCtr="1"/>
           <a:lstStyle/>
           <a:p>
             <a:pPr>
@@ -2383,20 +2320,12 @@
               </a:defRPr>
             </a:pPr>
             <a:r>
-              <a:rPr lang="pl-PL" dirty="0"/>
+              <a:rPr lang="pl-PL"/>
               <a:t>Znormalizowana różnica czasu wykonania zadania między implementacją synchroniczną i asynchroniczną</a:t>
             </a:r>
           </a:p>
         </c:rich>
       </c:tx>
-      <c:layout>
-        <c:manualLayout>
-          <c:xMode val="edge"/>
-          <c:yMode val="edge"/>
-          <c:x val="0.14644092466618822"/>
-          <c:y val="1.6E-2"/>
-        </c:manualLayout>
-      </c:layout>
       <c:overlay val="0"/>
       <c:spPr>
         <a:noFill/>
@@ -2406,7 +2335,7 @@
         <a:effectLst/>
       </c:spPr>
       <c:txPr>
-        <a:bodyPr rot="0" spcFirstLastPara="1" vertOverflow="ellipsis" vert="horz" wrap="square" anchor="t" anchorCtr="0"/>
+        <a:bodyPr rot="0" spcFirstLastPara="1" vertOverflow="ellipsis" vert="horz" wrap="square" anchor="ctr" anchorCtr="1"/>
         <a:lstStyle/>
         <a:p>
           <a:pPr>
@@ -2426,7 +2355,7 @@
     <c:autoTitleDeleted val="0"/>
     <c:view3D>
       <c:rotX val="30"/>
-      <c:rotY val="30"/>
+      <c:rotY val="310"/>
       <c:rAngAx val="0"/>
     </c:view3D>
     <c:floor>
@@ -2564,41 +2493,41 @@
                 <c:formatCode>General</c:formatCode>
                 <c:ptCount val="10"/>
                 <c:pt idx="0">
-                  <c:v>9.3779789325116867E-9</c:v>
+                  <c:v>9.3779789325116859E-7</c:v>
                 </c:pt>
                 <c:pt idx="1">
-                  <c:v>7.2208200750156973E-9</c:v>
+                  <c:v>1.4441640150031394E-6</c:v>
                 </c:pt>
                 <c:pt idx="2">
-                  <c:v>7.0607079551663954E-9</c:v>
+                  <c:v>2.1182123865499185E-6</c:v>
                 </c:pt>
                 <c:pt idx="3">
-                  <c:v>7.4978894344445334E-9</c:v>
+                  <c:v>2.9991557737778138E-6</c:v>
                 </c:pt>
                 <c:pt idx="4">
-                  <c:v>6.2713137016428372E-9</c:v>
+                  <c:v>3.135656850821419E-6</c:v>
                 </c:pt>
                 <c:pt idx="5">
-                  <c:v>6.3835452865159726E-9</c:v>
+                  <c:v>3.8301271719095833E-6</c:v>
                 </c:pt>
                 <c:pt idx="6">
-                  <c:v>7.1525308321325528E-9</c:v>
+                  <c:v>5.0067715824927865E-6</c:v>
                 </c:pt>
                 <c:pt idx="7">
-                  <c:v>6.711351022841939E-9</c:v>
+                  <c:v>5.3690808182735515E-6</c:v>
                 </c:pt>
                 <c:pt idx="8">
-                  <c:v>7.5083559851001738E-9</c:v>
+                  <c:v>6.757520386590156E-6</c:v>
                 </c:pt>
                 <c:pt idx="9">
-                  <c:v>7.1463097749761133E-9</c:v>
+                  <c:v>7.1463097749761137E-6</c:v>
                 </c:pt>
               </c:numCache>
             </c:numRef>
           </c:val>
           <c:extLst>
             <c:ext xmlns:c16="http://schemas.microsoft.com/office/drawing/2014/chart" uri="{C3380CC4-5D6E-409C-BE32-E72D297353CC}">
-              <c16:uniqueId val="{00000000-F50C-4507-8439-29DCC218883E}"/>
+              <c16:uniqueId val="{00000000-761E-40A9-852C-52015C428D88}"/>
             </c:ext>
           </c:extLst>
         </c:ser>
@@ -2690,41 +2619,41 @@
                 <c:formatCode>General</c:formatCode>
                 <c:ptCount val="10"/>
                 <c:pt idx="0">
-                  <c:v>1.1540319023533012E-8</c:v>
+                  <c:v>1.1540319023533012E-6</c:v>
                 </c:pt>
                 <c:pt idx="1">
-                  <c:v>1.721330662891684E-8</c:v>
+                  <c:v>3.4426613257833677E-6</c:v>
                 </c:pt>
                 <c:pt idx="2">
-                  <c:v>1.45086989013862E-8</c:v>
+                  <c:v>4.3526096704158603E-6</c:v>
                 </c:pt>
                 <c:pt idx="3">
-                  <c:v>1.0067682751545134E-8</c:v>
+                  <c:v>4.027073100618053E-6</c:v>
                 </c:pt>
                 <c:pt idx="4">
-                  <c:v>2.160092364229496E-8</c:v>
+                  <c:v>1.0800461821147481E-5</c:v>
                 </c:pt>
                 <c:pt idx="5">
-                  <c:v>1.4658686688085775E-8</c:v>
+                  <c:v>8.7952120128514647E-6</c:v>
                 </c:pt>
                 <c:pt idx="6">
-                  <c:v>1.0946435465352394E-8</c:v>
+                  <c:v>7.6625048257466764E-6</c:v>
                 </c:pt>
                 <c:pt idx="7">
-                  <c:v>1.4484720580786765E-8</c:v>
+                  <c:v>1.1587776464629412E-5</c:v>
                 </c:pt>
                 <c:pt idx="8">
-                  <c:v>1.4161958555018892E-8</c:v>
+                  <c:v>1.2745762699517005E-5</c:v>
                 </c:pt>
                 <c:pt idx="9">
-                  <c:v>8.5978587688787704E-9</c:v>
+                  <c:v>8.5978587688787702E-6</c:v>
                 </c:pt>
               </c:numCache>
             </c:numRef>
           </c:val>
           <c:extLst>
             <c:ext xmlns:c16="http://schemas.microsoft.com/office/drawing/2014/chart" uri="{C3380CC4-5D6E-409C-BE32-E72D297353CC}">
-              <c16:uniqueId val="{00000001-F50C-4507-8439-29DCC218883E}"/>
+              <c16:uniqueId val="{00000001-761E-40A9-852C-52015C428D88}"/>
             </c:ext>
           </c:extLst>
         </c:ser>
@@ -2816,41 +2745,41 @@
                 <c:formatCode>General</c:formatCode>
                 <c:ptCount val="10"/>
                 <c:pt idx="0">
-                  <c:v>1.997470309171636E-8</c:v>
+                  <c:v>1.9974703091716361E-6</c:v>
                 </c:pt>
                 <c:pt idx="1">
-                  <c:v>1.2790263091854117E-8</c:v>
+                  <c:v>2.5580526183708234E-6</c:v>
                 </c:pt>
                 <c:pt idx="2">
-                  <c:v>1.1577668441666057E-8</c:v>
+                  <c:v>3.4733005324998169E-6</c:v>
                 </c:pt>
                 <c:pt idx="3">
-                  <c:v>1.6576389840701532E-8</c:v>
+                  <c:v>6.6305559362806135E-6</c:v>
                 </c:pt>
                 <c:pt idx="4">
-                  <c:v>1.7430211121022902E-8</c:v>
+                  <c:v>8.7151055605114517E-6</c:v>
                 </c:pt>
                 <c:pt idx="5">
-                  <c:v>1.4471708278036907E-8</c:v>
+                  <c:v>8.6830249668221444E-6</c:v>
                 </c:pt>
                 <c:pt idx="6">
-                  <c:v>2.6336985466039312E-8</c:v>
+                  <c:v>1.8435889826227518E-5</c:v>
                 </c:pt>
                 <c:pt idx="7">
-                  <c:v>1.1413847842560403E-8</c:v>
+                  <c:v>9.1310782740483227E-6</c:v>
                 </c:pt>
                 <c:pt idx="8">
-                  <c:v>1.4814651295887498E-8</c:v>
+                  <c:v>1.3333186166298747E-5</c:v>
                 </c:pt>
                 <c:pt idx="9">
-                  <c:v>1.6481428526792688E-8</c:v>
+                  <c:v>1.6481428526792688E-5</c:v>
                 </c:pt>
               </c:numCache>
             </c:numRef>
           </c:val>
           <c:extLst>
             <c:ext xmlns:c16="http://schemas.microsoft.com/office/drawing/2014/chart" uri="{C3380CC4-5D6E-409C-BE32-E72D297353CC}">
-              <c16:uniqueId val="{00000002-F50C-4507-8439-29DCC218883E}"/>
+              <c16:uniqueId val="{00000002-761E-40A9-852C-52015C428D88}"/>
             </c:ext>
           </c:extLst>
         </c:ser>
@@ -2942,41 +2871,41 @@
                 <c:formatCode>General</c:formatCode>
                 <c:ptCount val="10"/>
                 <c:pt idx="0">
-                  <c:v>1.4376901774220154E-8</c:v>
+                  <c:v>1.4376901774220154E-6</c:v>
                 </c:pt>
                 <c:pt idx="1">
-                  <c:v>2.9885955128163003E-8</c:v>
+                  <c:v>5.9771910256325999E-6</c:v>
                 </c:pt>
                 <c:pt idx="2">
-                  <c:v>2.3461442796190664E-8</c:v>
+                  <c:v>7.0384328388571992E-6</c:v>
                 </c:pt>
                 <c:pt idx="3">
-                  <c:v>1.3722195932930197E-8</c:v>
+                  <c:v>5.4888783731720793E-6</c:v>
                 </c:pt>
                 <c:pt idx="4">
-                  <c:v>1.6982008376539999E-8</c:v>
+                  <c:v>8.4910041882699994E-6</c:v>
                 </c:pt>
                 <c:pt idx="5">
-                  <c:v>1.4236030971284189E-8</c:v>
+                  <c:v>8.5416185827705132E-6</c:v>
                 </c:pt>
                 <c:pt idx="6">
-                  <c:v>1.8628069289594343E-8</c:v>
+                  <c:v>1.3039648502716041E-5</c:v>
                 </c:pt>
                 <c:pt idx="7">
-                  <c:v>1.7659544390398591E-8</c:v>
+                  <c:v>1.4127635512318873E-5</c:v>
                 </c:pt>
                 <c:pt idx="8">
-                  <c:v>1.9427712639889509E-8</c:v>
+                  <c:v>1.7484941375900559E-5</c:v>
                 </c:pt>
                 <c:pt idx="9">
-                  <c:v>1.4999636043176931E-8</c:v>
+                  <c:v>1.499963604317693E-5</c:v>
                 </c:pt>
               </c:numCache>
             </c:numRef>
           </c:val>
           <c:extLst>
             <c:ext xmlns:c16="http://schemas.microsoft.com/office/drawing/2014/chart" uri="{C3380CC4-5D6E-409C-BE32-E72D297353CC}">
-              <c16:uniqueId val="{00000003-F50C-4507-8439-29DCC218883E}"/>
+              <c16:uniqueId val="{00000003-761E-40A9-852C-52015C428D88}"/>
             </c:ext>
           </c:extLst>
         </c:ser>
@@ -3068,41 +2997,41 @@
                 <c:formatCode>General</c:formatCode>
                 <c:ptCount val="10"/>
                 <c:pt idx="0">
-                  <c:v>2.7194089705104375E-8</c:v>
+                  <c:v>2.7194089705104372E-6</c:v>
                 </c:pt>
                 <c:pt idx="1">
-                  <c:v>1.602538391440818E-8</c:v>
+                  <c:v>3.2050767828816358E-6</c:v>
                 </c:pt>
                 <c:pt idx="2">
-                  <c:v>1.9053195164621731E-8</c:v>
+                  <c:v>5.7159585493865192E-6</c:v>
                 </c:pt>
                 <c:pt idx="3">
-                  <c:v>2.1819155759147904E-8</c:v>
+                  <c:v>8.7276623036591624E-6</c:v>
                 </c:pt>
                 <c:pt idx="4">
-                  <c:v>1.8344866826172071E-8</c:v>
+                  <c:v>9.1724334130860361E-6</c:v>
                 </c:pt>
                 <c:pt idx="5">
-                  <c:v>2.1366333694655212E-8</c:v>
+                  <c:v>1.2819800216793128E-5</c:v>
                 </c:pt>
                 <c:pt idx="6">
-                  <c:v>1.8916928306159774E-8</c:v>
+                  <c:v>1.3241849814311841E-5</c:v>
                 </c:pt>
                 <c:pt idx="7">
-                  <c:v>1.4467342330218334E-8</c:v>
+                  <c:v>1.1573873864174667E-5</c:v>
                 </c:pt>
                 <c:pt idx="8">
-                  <c:v>8.34107223402263E-9</c:v>
+                  <c:v>7.5069650106203663E-6</c:v>
                 </c:pt>
                 <c:pt idx="9">
-                  <c:v>1.2301057726145805E-8</c:v>
+                  <c:v>1.2301057726145805E-5</c:v>
                 </c:pt>
               </c:numCache>
             </c:numRef>
           </c:val>
           <c:extLst>
             <c:ext xmlns:c16="http://schemas.microsoft.com/office/drawing/2014/chart" uri="{C3380CC4-5D6E-409C-BE32-E72D297353CC}">
-              <c16:uniqueId val="{00000004-F50C-4507-8439-29DCC218883E}"/>
+              <c16:uniqueId val="{00000004-761E-40A9-852C-52015C428D88}"/>
             </c:ext>
           </c:extLst>
         </c:ser>
@@ -3194,41 +3123,41 @@
                 <c:formatCode>General</c:formatCode>
                 <c:ptCount val="10"/>
                 <c:pt idx="0">
-                  <c:v>2.3460030509820726E-8</c:v>
+                  <c:v>2.3460030509820724E-6</c:v>
                 </c:pt>
                 <c:pt idx="1">
-                  <c:v>1.8296234813676799E-8</c:v>
+                  <c:v>3.6592469627353592E-6</c:v>
                 </c:pt>
                 <c:pt idx="2">
-                  <c:v>1.7815686513967282E-8</c:v>
+                  <c:v>5.3447059541901852E-6</c:v>
                 </c:pt>
                 <c:pt idx="3">
-                  <c:v>1.1889043924975857E-8</c:v>
+                  <c:v>4.7556175699903428E-6</c:v>
                 </c:pt>
                 <c:pt idx="4">
-                  <c:v>1.5565662921711117E-8</c:v>
+                  <c:v>7.7828314608555588E-6</c:v>
                 </c:pt>
                 <c:pt idx="5">
-                  <c:v>2.6465777130341366E-8</c:v>
+                  <c:v>1.587946627820482E-5</c:v>
                 </c:pt>
                 <c:pt idx="6">
-                  <c:v>9.8047073083639707E-9</c:v>
+                  <c:v>6.8632951158547792E-6</c:v>
                 </c:pt>
                 <c:pt idx="7">
-                  <c:v>1.2695148626616688E-8</c:v>
+                  <c:v>1.0156118901293351E-5</c:v>
                 </c:pt>
                 <c:pt idx="8">
-                  <c:v>1.6854402232662149E-8</c:v>
+                  <c:v>1.5168962009395936E-5</c:v>
                 </c:pt>
                 <c:pt idx="9">
-                  <c:v>1.2550010598967402E-8</c:v>
+                  <c:v>1.2550010598967403E-5</c:v>
                 </c:pt>
               </c:numCache>
             </c:numRef>
           </c:val>
           <c:extLst>
             <c:ext xmlns:c16="http://schemas.microsoft.com/office/drawing/2014/chart" uri="{C3380CC4-5D6E-409C-BE32-E72D297353CC}">
-              <c16:uniqueId val="{00000005-F50C-4507-8439-29DCC218883E}"/>
+              <c16:uniqueId val="{00000005-761E-40A9-852C-52015C428D88}"/>
             </c:ext>
           </c:extLst>
         </c:ser>
@@ -3322,41 +3251,41 @@
                 <c:formatCode>General</c:formatCode>
                 <c:ptCount val="10"/>
                 <c:pt idx="0">
-                  <c:v>2.2197905846068164E-8</c:v>
+                  <c:v>2.2197905846068166E-6</c:v>
                 </c:pt>
                 <c:pt idx="1">
-                  <c:v>1.2454850382175965E-8</c:v>
+                  <c:v>2.4909700764351931E-6</c:v>
                 </c:pt>
                 <c:pt idx="2">
-                  <c:v>2.6211906207131557E-8</c:v>
+                  <c:v>7.8635718621394676E-6</c:v>
                 </c:pt>
                 <c:pt idx="3">
-                  <c:v>1.0865142764774184E-8</c:v>
+                  <c:v>4.3460571059096739E-6</c:v>
                 </c:pt>
                 <c:pt idx="4">
-                  <c:v>1.7889361004339613E-8</c:v>
+                  <c:v>8.9446805021698063E-6</c:v>
                 </c:pt>
                 <c:pt idx="5">
-                  <c:v>1.0592835828327331E-8</c:v>
+                  <c:v>6.3557014969963991E-6</c:v>
                 </c:pt>
                 <c:pt idx="6">
-                  <c:v>1.2395262617230927E-8</c:v>
+                  <c:v>8.676683832061648E-6</c:v>
                 </c:pt>
                 <c:pt idx="7">
-                  <c:v>2.7131442814334135E-8</c:v>
+                  <c:v>2.1705154251467308E-5</c:v>
                 </c:pt>
                 <c:pt idx="8">
-                  <c:v>1.2809043286157074E-8</c:v>
+                  <c:v>1.1528138957541368E-5</c:v>
                 </c:pt>
                 <c:pt idx="9">
-                  <c:v>9.0662541156272565E-9</c:v>
+                  <c:v>9.0662541156272571E-6</c:v>
                 </c:pt>
               </c:numCache>
             </c:numRef>
           </c:val>
           <c:extLst>
             <c:ext xmlns:c16="http://schemas.microsoft.com/office/drawing/2014/chart" uri="{C3380CC4-5D6E-409C-BE32-E72D297353CC}">
-              <c16:uniqueId val="{00000006-F50C-4507-8439-29DCC218883E}"/>
+              <c16:uniqueId val="{00000006-761E-40A9-852C-52015C428D88}"/>
             </c:ext>
           </c:extLst>
         </c:ser>
@@ -3450,41 +3379,41 @@
                 <c:formatCode>General</c:formatCode>
                 <c:ptCount val="10"/>
                 <c:pt idx="0">
-                  <c:v>1.253678588355978E-8</c:v>
+                  <c:v>1.2536785883559781E-6</c:v>
                 </c:pt>
                 <c:pt idx="1">
-                  <c:v>1.4006963978708878E-8</c:v>
+                  <c:v>2.8013927957417758E-6</c:v>
                 </c:pt>
                 <c:pt idx="2">
-                  <c:v>1.1887677417476359E-8</c:v>
+                  <c:v>3.5663032252429081E-6</c:v>
                 </c:pt>
                 <c:pt idx="3">
-                  <c:v>1.455638240333446E-8</c:v>
+                  <c:v>5.8225529613337842E-6</c:v>
                 </c:pt>
                 <c:pt idx="4">
-                  <c:v>1.4763328673889068E-8</c:v>
+                  <c:v>7.3816643369445343E-6</c:v>
                 </c:pt>
                 <c:pt idx="5">
-                  <c:v>1.1597550942224885E-8</c:v>
+                  <c:v>6.9585305653349314E-6</c:v>
                 </c:pt>
                 <c:pt idx="6">
-                  <c:v>1.255274016179032E-8</c:v>
+                  <c:v>8.7869181132532244E-6</c:v>
                 </c:pt>
                 <c:pt idx="7">
-                  <c:v>1.5720644123573403E-8</c:v>
+                  <c:v>1.2576515298858723E-5</c:v>
                 </c:pt>
                 <c:pt idx="8">
-                  <c:v>9.232455004301765E-9</c:v>
+                  <c:v>8.3092095038715887E-6</c:v>
                 </c:pt>
                 <c:pt idx="9">
-                  <c:v>8.7156496635575664E-9</c:v>
+                  <c:v>8.7156496635575665E-6</c:v>
                 </c:pt>
               </c:numCache>
             </c:numRef>
           </c:val>
           <c:extLst>
             <c:ext xmlns:c16="http://schemas.microsoft.com/office/drawing/2014/chart" uri="{C3380CC4-5D6E-409C-BE32-E72D297353CC}">
-              <c16:uniqueId val="{00000007-F50C-4507-8439-29DCC218883E}"/>
+              <c16:uniqueId val="{00000007-761E-40A9-852C-52015C428D88}"/>
             </c:ext>
           </c:extLst>
         </c:ser>
@@ -3578,41 +3507,41 @@
                 <c:formatCode>General</c:formatCode>
                 <c:ptCount val="10"/>
                 <c:pt idx="0">
-                  <c:v>1.9014850338792566E-8</c:v>
+                  <c:v>1.9014850338792566E-6</c:v>
                 </c:pt>
                 <c:pt idx="1">
-                  <c:v>1.2838799448240881E-8</c:v>
+                  <c:v>2.5677598896481762E-6</c:v>
                 </c:pt>
                 <c:pt idx="2">
-                  <c:v>1.4760299743498949E-8</c:v>
+                  <c:v>4.4280899230496852E-6</c:v>
                 </c:pt>
                 <c:pt idx="3">
-                  <c:v>1.8510369110216169E-8</c:v>
+                  <c:v>7.4041476440864681E-6</c:v>
                 </c:pt>
                 <c:pt idx="4">
-                  <c:v>1.96773411386464E-8</c:v>
+                  <c:v>9.8386705693232013E-6</c:v>
                 </c:pt>
                 <c:pt idx="5">
-                  <c:v>1.1908841313663386E-8</c:v>
+                  <c:v>7.1453047881980321E-6</c:v>
                 </c:pt>
                 <c:pt idx="6">
-                  <c:v>1.8425349933502772E-8</c:v>
+                  <c:v>1.289774495345194E-5</c:v>
                 </c:pt>
                 <c:pt idx="7">
-                  <c:v>1.7972225816503298E-8</c:v>
+                  <c:v>1.4377780653202639E-5</c:v>
                 </c:pt>
                 <c:pt idx="8">
-                  <c:v>1.2273225862750559E-8</c:v>
+                  <c:v>1.1045903276475503E-5</c:v>
                 </c:pt>
                 <c:pt idx="9">
-                  <c:v>1.374762462858604E-8</c:v>
+                  <c:v>1.374762462858604E-5</c:v>
                 </c:pt>
               </c:numCache>
             </c:numRef>
           </c:val>
           <c:extLst>
             <c:ext xmlns:c16="http://schemas.microsoft.com/office/drawing/2014/chart" uri="{C3380CC4-5D6E-409C-BE32-E72D297353CC}">
-              <c16:uniqueId val="{00000008-F50C-4507-8439-29DCC218883E}"/>
+              <c16:uniqueId val="{00000008-761E-40A9-852C-52015C428D88}"/>
             </c:ext>
           </c:extLst>
         </c:ser>
@@ -3706,41 +3635,41 @@
                 <c:formatCode>General</c:formatCode>
                 <c:ptCount val="10"/>
                 <c:pt idx="0">
-                  <c:v>1.3711169081179496E-8</c:v>
+                  <c:v>1.3711169081179496E-6</c:v>
                 </c:pt>
                 <c:pt idx="1">
-                  <c:v>5.467920425368318E-8</c:v>
+                  <c:v>1.0935840850736635E-5</c:v>
                 </c:pt>
                 <c:pt idx="2">
-                  <c:v>2.7663248703901155E-8</c:v>
+                  <c:v>8.2989746111703468E-6</c:v>
                 </c:pt>
                 <c:pt idx="3">
-                  <c:v>2.0079140447674626E-8</c:v>
+                  <c:v>8.0316561790698506E-6</c:v>
                 </c:pt>
                 <c:pt idx="4">
-                  <c:v>1.1127824546683459E-8</c:v>
+                  <c:v>5.5639122733417297E-6</c:v>
                 </c:pt>
                 <c:pt idx="5">
-                  <c:v>4.0497545390968392E-8</c:v>
+                  <c:v>2.4298527234581037E-5</c:v>
                 </c:pt>
                 <c:pt idx="6">
-                  <c:v>1.8545158598208415E-8</c:v>
+                  <c:v>1.2981611018745891E-5</c:v>
                 </c:pt>
                 <c:pt idx="7">
-                  <c:v>1.4140170236583352E-8</c:v>
+                  <c:v>1.1312136189266681E-5</c:v>
                 </c:pt>
                 <c:pt idx="8">
-                  <c:v>1.3671890985436853E-8</c:v>
+                  <c:v>1.2304701886893168E-5</c:v>
                 </c:pt>
                 <c:pt idx="9">
-                  <c:v>1.2416713188455675E-8</c:v>
+                  <c:v>1.2416713188455674E-5</c:v>
                 </c:pt>
               </c:numCache>
             </c:numRef>
           </c:val>
           <c:extLst>
             <c:ext xmlns:c16="http://schemas.microsoft.com/office/drawing/2014/chart" uri="{C3380CC4-5D6E-409C-BE32-E72D297353CC}">
-              <c16:uniqueId val="{00000009-F50C-4507-8439-29DCC218883E}"/>
+              <c16:uniqueId val="{00000009-761E-40A9-852C-52015C428D88}"/>
             </c:ext>
           </c:extLst>
         </c:ser>
@@ -4264,7 +4193,7 @@
                 </a:pPr>
                 <a:r>
                   <a:rPr lang="pl-PL"/>
-                  <a:t>Wielkość kwantu obliczeń</a:t>
+                  <a:t>Liczba wątków</a:t>
                 </a:r>
               </a:p>
             </c:rich>
@@ -4273,8 +4202,8 @@
             <c:manualLayout>
               <c:xMode val="edge"/>
               <c:yMode val="edge"/>
-              <c:x val="0.22623977843591117"/>
-              <c:y val="0.90649559055118112"/>
+              <c:x val="0.2476518382887424"/>
+              <c:y val="0.83046624538511249"/>
             </c:manualLayout>
           </c:layout>
           <c:overlay val="0"/>
@@ -4382,9 +4311,14 @@
                   </a:defRPr>
                 </a:pPr>
                 <a:r>
-                  <a:rPr lang="pl-PL"/>
-                  <a:t>Różnica czasu podzielona przez wiekość zadania</a:t>
+                  <a:rPr lang="pl-PL" dirty="0"/>
+                  <a:t>Różnica czasu podzielona przez liczbę</a:t>
                 </a:r>
+                <a:r>
+                  <a:rPr lang="pl-PL" baseline="0" dirty="0"/>
+                  <a:t> obliczeń</a:t>
+                </a:r>
+                <a:endParaRPr lang="pl-PL" dirty="0"/>
               </a:p>
             </c:rich>
           </c:tx>
@@ -4392,8 +4326,8 @@
             <c:manualLayout>
               <c:xMode val="edge"/>
               <c:yMode val="edge"/>
-              <c:x val="9.7090354078012406E-2"/>
-              <c:y val="0.23750015748031497"/>
+              <c:x val="8.4035384465830643E-2"/>
+              <c:y val="0.23705726133345759"/>
             </c:manualLayout>
           </c:layout>
           <c:overlay val="0"/>
@@ -4422,7 +4356,7 @@
             </a:p>
           </c:txPr>
         </c:title>
-        <c:numFmt formatCode="General" sourceLinked="1"/>
+        <c:numFmt formatCode="0.0E+00" sourceLinked="0"/>
         <c:majorTickMark val="none"/>
         <c:minorTickMark val="none"/>
         <c:tickLblPos val="nextTo"/>
@@ -4479,7 +4413,7 @@
                 </a:pPr>
                 <a:r>
                   <a:rPr lang="pl-PL"/>
-                  <a:t>Liczba wątków</a:t>
+                  <a:t>Kwant obliczeń</a:t>
                 </a:r>
               </a:p>
             </c:rich>
@@ -4488,8 +4422,8 @@
             <c:manualLayout>
               <c:xMode val="edge"/>
               <c:yMode val="edge"/>
-              <c:x val="0.7650065195637451"/>
-              <c:y val="0.76019606299212594"/>
+              <c:x val="0.7478551001708128"/>
+              <c:y val="0.78022315831564826"/>
             </c:manualLayout>
           </c:layout>
           <c:overlay val="0"/>
@@ -14596,14 +14530,14 @@
           <p:nvPr>
             <p:extLst>
               <p:ext uri="{D42A27DB-BD31-4B8C-83A1-F6EECF244321}">
-                <p14:modId xmlns:p14="http://schemas.microsoft.com/office/powerpoint/2010/main" val="2868778356"/>
+                <p14:modId xmlns:p14="http://schemas.microsoft.com/office/powerpoint/2010/main" val="923695890"/>
               </p:ext>
             </p:extLst>
           </p:nvPr>
         </p:nvGraphicFramePr>
         <p:xfrm>
-          <a:off x="455238" y="261236"/>
-          <a:ext cx="9452723" cy="6335528"/>
+          <a:off x="335560" y="261235"/>
+          <a:ext cx="10256240" cy="6399623"/>
         </p:xfrm>
         <a:graphic>
           <a:graphicData uri="http://schemas.openxmlformats.org/drawingml/2006/chart">
@@ -14693,7 +14627,7 @@
       </p:sp>
       <p:graphicFrame>
         <p:nvGraphicFramePr>
-          <p:cNvPr id="4" name="Wykres 3">
+          <p:cNvPr id="8" name="Wykres 7">
             <a:extLst>
               <a:ext uri="{FF2B5EF4-FFF2-40B4-BE49-F238E27FC236}">
                 <a16:creationId xmlns:a16="http://schemas.microsoft.com/office/drawing/2014/main" id="{CE6FEDA1-35D6-4235-9BF6-A07C1630D60A}"/>
@@ -14706,14 +14640,14 @@
           <p:nvPr>
             <p:extLst>
               <p:ext uri="{D42A27DB-BD31-4B8C-83A1-F6EECF244321}">
-                <p14:modId xmlns:p14="http://schemas.microsoft.com/office/powerpoint/2010/main" val="2582269655"/>
+                <p14:modId xmlns:p14="http://schemas.microsoft.com/office/powerpoint/2010/main" val="932763584"/>
               </p:ext>
             </p:extLst>
           </p:nvPr>
         </p:nvGraphicFramePr>
         <p:xfrm>
-          <a:off x="419100" y="266700"/>
-          <a:ext cx="9893300" cy="6350000"/>
+          <a:off x="292100" y="241300"/>
+          <a:ext cx="10287000" cy="6438900"/>
         </p:xfrm>
         <a:graphic>
           <a:graphicData uri="http://schemas.openxmlformats.org/drawingml/2006/chart">
